--- a/Abgabe_02/Präsentation_Abgabe_02.pptx
+++ b/Abgabe_02/Präsentation_Abgabe_02.pptx
@@ -21,7 +21,8 @@
     <p:sldId id="278" r:id="rId18"/>
     <p:sldId id="279" r:id="rId19"/>
     <p:sldId id="258" r:id="rId20"/>
-    <p:sldId id="261" r:id="rId21"/>
+    <p:sldId id="280" r:id="rId21"/>
+    <p:sldId id="261" r:id="rId22"/>
   </p:sldIdLst>
   <p:sldSz cx="12192000" cy="6858000"/>
   <p:notesSz cx="6858000" cy="9144000"/>
@@ -6672,6 +6673,48 @@
         <p:blipFill>
           <a:blip r:embed="rId2">
             <a:extLst>
+              <a:ext uri="{BEBA8EAE-BF5A-486C-A8C5-ECC9F3942E4B}">
+                <a14:imgProps xmlns:a14="http://schemas.microsoft.com/office/drawing/2010/main">
+                  <a14:imgLayer r:embed="rId3">
+                    <a14:imgEffect>
+                      <a14:backgroundRemoval t="11876" b="90499" l="18290" r="80760">
+                        <a14:foregroundMark x1="35629" y1="49406" x2="35629" y2="49406"/>
+                        <a14:foregroundMark x1="43230" y1="51069" x2="43230" y2="51069"/>
+                        <a14:foregroundMark x1="55344" y1="51306" x2="55344" y2="51306"/>
+                        <a14:foregroundMark x1="65083" y1="50119" x2="65083" y2="50119"/>
+                        <a14:foregroundMark x1="60808" y1="77435" x2="60808" y2="77435"/>
+                        <a14:foregroundMark x1="60808" y1="77435" x2="68171" y2="70071"/>
+                        <a14:foregroundMark x1="43468" y1="51306" x2="43468" y2="51306"/>
+                        <a14:foregroundMark x1="20428" y1="85986" x2="20428" y2="85986"/>
+                        <a14:foregroundMark x1="22328" y1="85986" x2="22328" y2="85986"/>
+                        <a14:foregroundMark x1="29454" y1="85511" x2="29454" y2="85511"/>
+                        <a14:foregroundMark x1="37767" y1="85748" x2="37767" y2="85748"/>
+                        <a14:foregroundMark x1="49881" y1="85036" x2="49881" y2="85036"/>
+                        <a14:foregroundMark x1="49644" y1="84798" x2="49644" y2="84798"/>
+                        <a14:foregroundMark x1="65558" y1="86936" x2="65558" y2="86936"/>
+                        <a14:foregroundMark x1="65558" y1="86936" x2="65558" y2="86936"/>
+                        <a14:foregroundMark x1="37292" y1="88361" x2="37292" y2="88361"/>
+                        <a14:foregroundMark x1="37292" y1="88361" x2="37292" y2="88361"/>
+                        <a14:foregroundMark x1="19477" y1="88599" x2="19477" y2="88599"/>
+                        <a14:foregroundMark x1="19477" y1="88599" x2="19477" y2="88599"/>
+                        <a14:foregroundMark x1="79810" y1="87173" x2="79810" y2="87173"/>
+                        <a14:foregroundMark x1="79810" y1="87173" x2="79810" y2="87173"/>
+                        <a14:foregroundMark x1="79810" y1="87173" x2="79810" y2="87173"/>
+                        <a14:foregroundMark x1="79810" y1="87173" x2="79810" y2="87173"/>
+                        <a14:foregroundMark x1="79810" y1="87173" x2="79810" y2="87173"/>
+                        <a14:foregroundMark x1="79810" y1="87173" x2="79810" y2="87173"/>
+                        <a14:foregroundMark x1="79810" y1="87173" x2="79810" y2="87173"/>
+                        <a14:foregroundMark x1="46318" y1="12114" x2="46318" y2="12114"/>
+                        <a14:foregroundMark x1="79810" y1="86223" x2="79810" y2="86223"/>
+                        <a14:foregroundMark x1="79810" y1="86223" x2="79810" y2="86223"/>
+                        <a14:foregroundMark x1="79810" y1="84798" x2="78147" y2="84561"/>
+                        <a14:foregroundMark x1="80523" y1="89311" x2="80760" y2="90499"/>
+                        <a14:backgroundMark x1="48694" y1="9026" x2="48694" y2="9026"/>
+                      </a14:backgroundRemoval>
+                    </a14:imgEffect>
+                  </a14:imgLayer>
+                </a14:imgProps>
+              </a:ext>
               <a:ext uri="{28A0092B-C50C-407E-A947-70E740481C1C}">
                 <a14:useLocalDpi xmlns:a14="http://schemas.microsoft.com/office/drawing/2010/main" val="0"/>
               </a:ext>
@@ -6684,8 +6727,8 @@
         </p:blipFill>
         <p:spPr bwMode="auto">
           <a:xfrm>
-            <a:off x="602228" y="1685825"/>
-            <a:ext cx="1162050" cy="1276350"/>
+            <a:off x="80082" y="1685824"/>
+            <a:ext cx="1684196" cy="1849855"/>
           </a:xfrm>
           <a:prstGeom prst="rect">
             <a:avLst/>
@@ -7341,6 +7384,28 @@
         <p:blipFill>
           <a:blip r:embed="rId2">
             <a:extLst>
+              <a:ext uri="{BEBA8EAE-BF5A-486C-A8C5-ECC9F3942E4B}">
+                <a14:imgProps xmlns:a14="http://schemas.microsoft.com/office/drawing/2010/main">
+                  <a14:imgLayer r:embed="rId3">
+                    <a14:imgEffect>
+                      <a14:backgroundRemoval t="4751" b="90261" l="7601" r="92162">
+                        <a14:foregroundMark x1="41568" y1="4988" x2="41568" y2="4988"/>
+                        <a14:foregroundMark x1="41568" y1="4988" x2="41568" y2="4988"/>
+                        <a14:foregroundMark x1="7838" y1="33017" x2="7838" y2="33017"/>
+                        <a14:foregroundMark x1="7838" y1="33017" x2="7838" y2="33017"/>
+                        <a14:foregroundMark x1="88599" y1="37767" x2="88599" y2="37767"/>
+                        <a14:foregroundMark x1="88599" y1="37767" x2="88599" y2="37767"/>
+                        <a14:foregroundMark x1="92399" y1="35392" x2="92399" y2="35392"/>
+                        <a14:foregroundMark x1="92399" y1="35392" x2="92399" y2="35392"/>
+                        <a14:foregroundMark x1="53207" y1="85511" x2="53207" y2="85511"/>
+                        <a14:foregroundMark x1="53207" y1="85511" x2="53207" y2="85511"/>
+                        <a14:foregroundMark x1="48931" y1="90261" x2="48931" y2="90261"/>
+                        <a14:foregroundMark x1="48931" y1="90261" x2="48931" y2="90261"/>
+                      </a14:backgroundRemoval>
+                    </a14:imgEffect>
+                  </a14:imgLayer>
+                </a14:imgProps>
+              </a:ext>
               <a:ext uri="{28A0092B-C50C-407E-A947-70E740481C1C}">
                 <a14:useLocalDpi xmlns:a14="http://schemas.microsoft.com/office/drawing/2010/main" val="0"/>
               </a:ext>
@@ -7353,8 +7418,8 @@
         </p:blipFill>
         <p:spPr bwMode="auto">
           <a:xfrm>
-            <a:off x="1055803" y="1590146"/>
-            <a:ext cx="1057275" cy="1085850"/>
+            <a:off x="33255" y="1590146"/>
+            <a:ext cx="2079823" cy="2136034"/>
           </a:xfrm>
           <a:prstGeom prst="rect">
             <a:avLst/>
@@ -8029,6 +8094,20 @@
         <p:blipFill>
           <a:blip r:embed="rId2">
             <a:extLst>
+              <a:ext uri="{BEBA8EAE-BF5A-486C-A8C5-ECC9F3942E4B}">
+                <a14:imgProps xmlns:a14="http://schemas.microsoft.com/office/drawing/2010/main">
+                  <a14:imgLayer r:embed="rId3">
+                    <a14:imgEffect>
+                      <a14:backgroundRemoval t="10926" b="78622" l="19477" r="75059">
+                        <a14:foregroundMark x1="51544" y1="49881" x2="51544" y2="49881"/>
+                        <a14:foregroundMark x1="60333" y1="47743" x2="60333" y2="47743"/>
+                        <a14:foregroundMark x1="40143" y1="10926" x2="40143" y2="10926"/>
+                        <a14:foregroundMark x1="40143" y1="10926" x2="40143" y2="10926"/>
+                      </a14:backgroundRemoval>
+                    </a14:imgEffect>
+                  </a14:imgLayer>
+                </a14:imgProps>
+              </a:ext>
               <a:ext uri="{28A0092B-C50C-407E-A947-70E740481C1C}">
                 <a14:useLocalDpi xmlns:a14="http://schemas.microsoft.com/office/drawing/2010/main" val="0"/>
               </a:ext>
@@ -8041,8 +8120,8 @@
         </p:blipFill>
         <p:spPr bwMode="auto">
           <a:xfrm>
-            <a:off x="458774" y="1900238"/>
-            <a:ext cx="1143000" cy="1295400"/>
+            <a:off x="-27768" y="1900238"/>
+            <a:ext cx="1629542" cy="1846814"/>
           </a:xfrm>
           <a:prstGeom prst="rect">
             <a:avLst/>
@@ -8585,7 +8664,7 @@
             <a:pPr lvl="1"/>
             <a:r>
               <a:rPr lang="de-DE" dirty="0"/>
-              <a:t>Aktualisierungs-/ Updatedauer sollte 60 Sekunden nicht überschreiten</a:t>
+              <a:t>Aktualisierungs-/Updatedauer sollte 60 Sekunden nicht überschreiten</a:t>
             </a:r>
           </a:p>
           <a:p>
@@ -8641,6 +8720,103 @@
 </file>
 
 <file path=ppt/slides/slide17.xml><?xml version="1.0" encoding="utf-8"?>
+<p:sld xmlns:a="http://schemas.openxmlformats.org/drawingml/2006/main" xmlns:r="http://schemas.openxmlformats.org/officeDocument/2006/relationships" xmlns:p="http://schemas.openxmlformats.org/presentationml/2006/main">
+  <p:cSld>
+    <p:spTree>
+      <p:nvGrpSpPr>
+        <p:cNvPr id="1" name=""/>
+        <p:cNvGrpSpPr/>
+        <p:nvPr/>
+      </p:nvGrpSpPr>
+      <p:grpSpPr>
+        <a:xfrm>
+          <a:off x="0" y="0"/>
+          <a:ext cx="0" cy="0"/>
+          <a:chOff x="0" y="0"/>
+          <a:chExt cx="0" cy="0"/>
+        </a:xfrm>
+      </p:grpSpPr>
+      <p:sp>
+        <p:nvSpPr>
+          <p:cNvPr id="2" name="Titel 1">
+            <a:extLst>
+              <a:ext uri="{FF2B5EF4-FFF2-40B4-BE49-F238E27FC236}">
+                <a16:creationId xmlns:a16="http://schemas.microsoft.com/office/drawing/2014/main" id="{331026CC-4D1C-43B2-979D-3BEEE28375BF}"/>
+              </a:ext>
+            </a:extLst>
+          </p:cNvPr>
+          <p:cNvSpPr>
+            <a:spLocks noGrp="1"/>
+          </p:cNvSpPr>
+          <p:nvPr>
+            <p:ph type="title"/>
+          </p:nvPr>
+        </p:nvSpPr>
+        <p:spPr/>
+        <p:txBody>
+          <a:bodyPr>
+            <a:normAutofit/>
+          </a:bodyPr>
+          <a:lstStyle/>
+          <a:p>
+            <a:r>
+              <a:rPr lang="de-DE" sz="4400" dirty="0"/>
+              <a:t>Danke für Eure Aufmerksamkeit! </a:t>
+            </a:r>
+            <a:r>
+              <a:rPr lang="de-DE" sz="4400" dirty="0">
+                <a:sym typeface="Wingdings" panose="05000000000000000000" pitchFamily="2" charset="2"/>
+              </a:rPr>
+              <a:t></a:t>
+            </a:r>
+            <a:endParaRPr lang="de-DE" sz="4400" dirty="0"/>
+          </a:p>
+        </p:txBody>
+      </p:sp>
+      <p:sp>
+        <p:nvSpPr>
+          <p:cNvPr id="3" name="Textplatzhalter 2">
+            <a:extLst>
+              <a:ext uri="{FF2B5EF4-FFF2-40B4-BE49-F238E27FC236}">
+                <a16:creationId xmlns:a16="http://schemas.microsoft.com/office/drawing/2014/main" id="{68850004-4F25-4FC4-87A1-9C939F1F2233}"/>
+              </a:ext>
+            </a:extLst>
+          </p:cNvPr>
+          <p:cNvSpPr>
+            <a:spLocks noGrp="1"/>
+          </p:cNvSpPr>
+          <p:nvPr>
+            <p:ph type="body" sz="half" idx="2"/>
+          </p:nvPr>
+        </p:nvSpPr>
+        <p:spPr/>
+        <p:txBody>
+          <a:bodyPr>
+            <a:normAutofit/>
+          </a:bodyPr>
+          <a:lstStyle/>
+          <a:p>
+            <a:r>
+              <a:rPr lang="de-DE" sz="2800" dirty="0"/>
+              <a:t>Habt Ihr noch Fragen an uns?</a:t>
+            </a:r>
+          </a:p>
+        </p:txBody>
+      </p:sp>
+    </p:spTree>
+    <p:extLst>
+      <p:ext uri="{BB962C8B-B14F-4D97-AF65-F5344CB8AC3E}">
+        <p14:creationId xmlns:p14="http://schemas.microsoft.com/office/powerpoint/2010/main" val="3664049399"/>
+      </p:ext>
+    </p:extLst>
+  </p:cSld>
+  <p:clrMapOvr>
+    <a:masterClrMapping/>
+  </p:clrMapOvr>
+</p:sld>
+</file>
+
+<file path=ppt/slides/slide18.xml><?xml version="1.0" encoding="utf-8"?>
 <p:sld xmlns:a="http://schemas.openxmlformats.org/drawingml/2006/main" xmlns:r="http://schemas.openxmlformats.org/officeDocument/2006/relationships" xmlns:p="http://schemas.openxmlformats.org/presentationml/2006/main">
   <p:cSld>
     <p:spTree>
@@ -9067,15 +9243,6 @@
               <a:srgbClr val="FFFFFF"/>
             </a:contourClr>
           </a:sp3d>
-          <a:extLst>
-            <a:ext uri="{909E8E84-426E-40DD-AFC4-6F175D3DCCD1}">
-              <a14:hiddenFill xmlns:a14="http://schemas.microsoft.com/office/drawing/2010/main">
-                <a:solidFill>
-                  <a:srgbClr val="FFFFFF"/>
-                </a:solidFill>
-              </a14:hiddenFill>
-            </a:ext>
-          </a:extLst>
         </p:spPr>
       </p:pic>
       <p:sp>
@@ -11026,6 +11193,27 @@
         <p:blipFill>
           <a:blip r:embed="rId2">
             <a:extLst>
+              <a:ext uri="{BEBA8EAE-BF5A-486C-A8C5-ECC9F3942E4B}">
+                <a14:imgProps xmlns:a14="http://schemas.microsoft.com/office/drawing/2010/main">
+                  <a14:imgLayer r:embed="rId3">
+                    <a14:imgEffect>
+                      <a14:backgroundRemoval t="8789" b="96200" l="6176" r="76485">
+                        <a14:foregroundMark x1="41093" y1="18527" x2="41093" y2="18527"/>
+                        <a14:foregroundMark x1="36105" y1="9026" x2="36105" y2="9026"/>
+                        <a14:foregroundMark x1="8076" y1="32067" x2="8076" y2="32067"/>
+                        <a14:foregroundMark x1="71496" y1="85986" x2="71496" y2="85986"/>
+                        <a14:foregroundMark x1="76010" y1="78622" x2="76010" y2="78622"/>
+                        <a14:foregroundMark x1="65321" y1="93112" x2="65321" y2="93112"/>
+                        <a14:foregroundMark x1="17815" y1="95012" x2="17815" y2="95012"/>
+                        <a14:foregroundMark x1="6413" y1="30404" x2="6413" y2="30404"/>
+                        <a14:foregroundMark x1="76485" y1="13539" x2="76485" y2="13539"/>
+                        <a14:foregroundMark x1="8314" y1="37767" x2="8314" y2="37767"/>
+                        <a14:foregroundMark x1="63420" y1="96200" x2="63420" y2="96200"/>
+                      </a14:backgroundRemoval>
+                    </a14:imgEffect>
+                  </a14:imgLayer>
+                </a14:imgProps>
+              </a:ext>
               <a:ext uri="{28A0092B-C50C-407E-A947-70E740481C1C}">
                 <a14:useLocalDpi xmlns:a14="http://schemas.microsoft.com/office/drawing/2010/main" val="0"/>
               </a:ext>
@@ -11038,8 +11226,8 @@
         </p:blipFill>
         <p:spPr bwMode="auto">
           <a:xfrm>
-            <a:off x="608499" y="1652690"/>
-            <a:ext cx="1257300" cy="1495425"/>
+            <a:off x="163429" y="1652690"/>
+            <a:ext cx="1702370" cy="2024788"/>
           </a:xfrm>
           <a:prstGeom prst="rect">
             <a:avLst/>
@@ -11691,6 +11879,53 @@
         <p:blipFill>
           <a:blip r:embed="rId2">
             <a:extLst>
+              <a:ext uri="{BEBA8EAE-BF5A-486C-A8C5-ECC9F3942E4B}">
+                <a14:imgProps xmlns:a14="http://schemas.microsoft.com/office/drawing/2010/main">
+                  <a14:imgLayer r:embed="rId3">
+                    <a14:imgEffect>
+                      <a14:backgroundRemoval t="4751" b="98100" l="8076" r="82898">
+                        <a14:foregroundMark x1="23753" y1="80760" x2="23753" y2="80760"/>
+                        <a14:foregroundMark x1="38717" y1="85986" x2="38717" y2="85986"/>
+                        <a14:foregroundMark x1="59620" y1="94299" x2="59620" y2="94299"/>
+                        <a14:foregroundMark x1="72684" y1="91924" x2="72684" y2="91924"/>
+                        <a14:foregroundMark x1="19461" y1="14964" x2="17815" y2="61520"/>
+                        <a14:foregroundMark x1="19469" y1="14727" x2="19461" y2="14964"/>
+                        <a14:foregroundMark x1="19477" y1="14489" x2="19469" y2="14727"/>
+                        <a14:foregroundMark x1="33778" y1="79335" x2="50594" y2="98100"/>
+                        <a14:foregroundMark x1="33088" y1="78565" x2="33778" y2="79335"/>
+                        <a14:foregroundMark x1="28134" y1="73035" x2="28285" y2="73204"/>
+                        <a14:foregroundMark x1="26116" y1="70784" x2="26754" y2="71496"/>
+                        <a14:foregroundMark x1="17815" y1="61520" x2="26116" y2="70784"/>
+                        <a14:foregroundMark x1="50594" y1="98100" x2="71259" y2="92399"/>
+                        <a14:foregroundMark x1="13539" y1="75297" x2="12114" y2="45131"/>
+                        <a14:foregroundMark x1="16390" y1="7363" x2="16390" y2="7363"/>
+                        <a14:foregroundMark x1="21378" y1="4751" x2="21378" y2="4751"/>
+                        <a14:foregroundMark x1="11164" y1="14014" x2="11164" y2="14014"/>
+                        <a14:foregroundMark x1="8076" y1="54869" x2="8076" y2="54869"/>
+                        <a14:backgroundMark x1="30641" y1="75772" x2="30641" y2="75772"/>
+                        <a14:backgroundMark x1="29216" y1="74822" x2="29216" y2="74822"/>
+                        <a14:backgroundMark x1="33017" y1="78385" x2="27316" y2="70784"/>
+                        <a14:backgroundMark x1="29454" y1="73634" x2="27791" y2="71496"/>
+                        <a14:backgroundMark x1="28504" y1="73397" x2="28504" y2="73397"/>
+                        <a14:backgroundMark x1="28504" y1="72684" x2="28504" y2="72684"/>
+                        <a14:backgroundMark x1="27791" y1="72684" x2="27791" y2="72684"/>
+                        <a14:backgroundMark x1="26603" y1="71496" x2="26603" y2="71496"/>
+                        <a14:backgroundMark x1="27791" y1="71971" x2="27791" y2="71971"/>
+                        <a14:backgroundMark x1="27078" y1="71734" x2="27078" y2="71734"/>
+                        <a14:backgroundMark x1="28029" y1="73397" x2="28029" y2="73397"/>
+                        <a14:backgroundMark x1="27316" y1="72209" x2="27316" y2="72209"/>
+                        <a14:backgroundMark x1="26841" y1="70784" x2="26841" y2="70784"/>
+                        <a14:backgroundMark x1="26841" y1="71496" x2="28504" y2="72684"/>
+                        <a14:backgroundMark x1="28504" y1="72922" x2="28504" y2="72922"/>
+                        <a14:backgroundMark x1="33729" y1="78622" x2="33729" y2="78622"/>
+                        <a14:backgroundMark x1="34442" y1="79335" x2="34442" y2="79335"/>
+                        <a14:backgroundMark x1="23515" y1="14727" x2="23515" y2="14727"/>
+                        <a14:backgroundMark x1="14489" y1="14964" x2="14489" y2="14964"/>
+                      </a14:backgroundRemoval>
+                    </a14:imgEffect>
+                  </a14:imgLayer>
+                </a14:imgProps>
+              </a:ext>
               <a:ext uri="{28A0092B-C50C-407E-A947-70E740481C1C}">
                 <a14:useLocalDpi xmlns:a14="http://schemas.microsoft.com/office/drawing/2010/main" val="0"/>
               </a:ext>
@@ -11703,8 +11938,8 @@
         </p:blipFill>
         <p:spPr bwMode="auto">
           <a:xfrm>
-            <a:off x="1293268" y="1557061"/>
-            <a:ext cx="952500" cy="1085850"/>
+            <a:off x="465576" y="1557060"/>
+            <a:ext cx="1780192" cy="2029419"/>
           </a:xfrm>
           <a:prstGeom prst="rect">
             <a:avLst/>
@@ -11996,6 +12231,12 @@
 </file>
 
 <file path=customXml/item1.xml><?xml version="1.0" encoding="utf-8"?>
+<p:properties xmlns:p="http://schemas.microsoft.com/office/2006/metadata/properties" xmlns:xsi="http://www.w3.org/2001/XMLSchema-instance" xmlns:pc="http://schemas.microsoft.com/office/infopath/2007/PartnerControls">
+  <documentManagement/>
+</p:properties>
+</file>
+
+<file path=customXml/item2.xml><?xml version="1.0" encoding="utf-8"?>
 <ct:contentTypeSchema xmlns:ct="http://schemas.microsoft.com/office/2006/metadata/contentType" xmlns:ma="http://schemas.microsoft.com/office/2006/metadata/properties/metaAttributes" ct:_="" ma:_="" ma:contentTypeName="Document" ma:contentTypeID="0x0101005881C68DFECA294BAFB9C2A20253348D" ma:contentTypeVersion="7" ma:contentTypeDescription="Create a new document." ma:contentTypeScope="" ma:versionID="a1000d78e42e1d130e99588db7ba6bd3">
   <xsd:schema xmlns:xsd="http://www.w3.org/2001/XMLSchema" xmlns:xs="http://www.w3.org/2001/XMLSchema" xmlns:p="http://schemas.microsoft.com/office/2006/metadata/properties" xmlns:ns3="e6e64ce4-7c6a-4ef1-ac8e-b34e405a6a8a" targetNamespace="http://schemas.microsoft.com/office/2006/metadata/properties" ma:root="true" ma:fieldsID="92c363ec9ae73272d4d223d49e2bbdee" ns3:_="">
     <xsd:import namespace="e6e64ce4-7c6a-4ef1-ac8e-b34e405a6a8a"/>
@@ -12159,12 +12400,6 @@
 </ct:contentTypeSchema>
 </file>
 
-<file path=customXml/item2.xml><?xml version="1.0" encoding="utf-8"?>
-<p:properties xmlns:p="http://schemas.microsoft.com/office/2006/metadata/properties" xmlns:xsi="http://www.w3.org/2001/XMLSchema-instance" xmlns:pc="http://schemas.microsoft.com/office/infopath/2007/PartnerControls">
-  <documentManagement/>
-</p:properties>
-</file>
-
 <file path=customXml/item3.xml><?xml version="1.0" encoding="utf-8"?>
 <?mso-contentType ?>
 <FormTemplates xmlns="http://schemas.microsoft.com/sharepoint/v3/contenttype/forms">
@@ -12175,6 +12410,22 @@
 </file>
 
 <file path=customXml/itemProps1.xml><?xml version="1.0" encoding="utf-8"?>
+<ds:datastoreItem xmlns:ds="http://schemas.openxmlformats.org/officeDocument/2006/customXml" ds:itemID="{332DB522-6533-4187-AAA8-62641BD5F68D}">
+  <ds:schemaRefs>
+    <ds:schemaRef ds:uri="e6e64ce4-7c6a-4ef1-ac8e-b34e405a6a8a"/>
+    <ds:schemaRef ds:uri="http://purl.org/dc/dcmitype/"/>
+    <ds:schemaRef ds:uri="http://purl.org/dc/elements/1.1/"/>
+    <ds:schemaRef ds:uri="http://purl.org/dc/terms/"/>
+    <ds:schemaRef ds:uri="http://schemas.microsoft.com/office/2006/documentManagement/types"/>
+    <ds:schemaRef ds:uri="http://schemas.microsoft.com/office/2006/metadata/properties"/>
+    <ds:schemaRef ds:uri="http://schemas.microsoft.com/office/infopath/2007/PartnerControls"/>
+    <ds:schemaRef ds:uri="http://schemas.openxmlformats.org/package/2006/metadata/core-properties"/>
+    <ds:schemaRef ds:uri="http://www.w3.org/XML/1998/namespace"/>
+  </ds:schemaRefs>
+</ds:datastoreItem>
+</file>
+
+<file path=customXml/itemProps2.xml><?xml version="1.0" encoding="utf-8"?>
 <ds:datastoreItem xmlns:ds="http://schemas.openxmlformats.org/officeDocument/2006/customXml" ds:itemID="{1721BF1E-DCC3-43DE-947F-F9A2DDEC3F80}">
   <ds:schemaRefs>
     <ds:schemaRef ds:uri="e6e64ce4-7c6a-4ef1-ac8e-b34e405a6a8a"/>
@@ -12192,22 +12443,6 @@
 </ds:datastoreItem>
 </file>
 
-<file path=customXml/itemProps2.xml><?xml version="1.0" encoding="utf-8"?>
-<ds:datastoreItem xmlns:ds="http://schemas.openxmlformats.org/officeDocument/2006/customXml" ds:itemID="{332DB522-6533-4187-AAA8-62641BD5F68D}">
-  <ds:schemaRefs>
-    <ds:schemaRef ds:uri="e6e64ce4-7c6a-4ef1-ac8e-b34e405a6a8a"/>
-    <ds:schemaRef ds:uri="http://purl.org/dc/dcmitype/"/>
-    <ds:schemaRef ds:uri="http://purl.org/dc/elements/1.1/"/>
-    <ds:schemaRef ds:uri="http://purl.org/dc/terms/"/>
-    <ds:schemaRef ds:uri="http://schemas.microsoft.com/office/2006/documentManagement/types"/>
-    <ds:schemaRef ds:uri="http://schemas.microsoft.com/office/2006/metadata/properties"/>
-    <ds:schemaRef ds:uri="http://schemas.microsoft.com/office/infopath/2007/PartnerControls"/>
-    <ds:schemaRef ds:uri="http://schemas.openxmlformats.org/package/2006/metadata/core-properties"/>
-    <ds:schemaRef ds:uri="http://www.w3.org/XML/1998/namespace"/>
-  </ds:schemaRefs>
-</ds:datastoreItem>
-</file>
-
 <file path=customXml/itemProps3.xml><?xml version="1.0" encoding="utf-8"?>
 <ds:datastoreItem xmlns:ds="http://schemas.openxmlformats.org/officeDocument/2006/customXml" ds:itemID="{E14FEB30-9FE9-4CA8-B96B-3470DE7FF7B1}">
   <ds:schemaRefs>
